--- a/Work_File/LogicModelTemplate.pptx
+++ b/Work_File/LogicModelTemplate.pptx
@@ -5,7 +5,7 @@
     <p:sldMasterId id="2147483648" r:id="rId1"/>
   </p:sldMasterIdLst>
   <p:sldIdLst>
-    <p:sldId id="256" r:id="rId2"/>
+    <p:sldId id="256" r:id="rId3"/>
   </p:sldIdLst>
   <p:sldSz cx="12192000" cy="6858000"/>
   <p:notesSz cx="6858000" cy="9144000"/>
@@ -104,11 +104,6 @@
       </a:defRPr>
     </a:lvl9pPr>
   </p:defaultTextStyle>
-  <p:extLst>
-    <p:ext uri="{EFAFB233-063F-42B5-8137-9DF3F51BA10A}">
-      <p15:sldGuideLst xmlns:p15="http://schemas.microsoft.com/office/powerpoint/2012/main"/>
-    </p:ext>
-  </p:extLst>
 </p:presentation>
 </file>
 
@@ -168,7 +163,7 @@
             <a:spLocks noGrp="1"/>
           </p:cNvSpPr>
           <p:nvPr>
-            <p:ph type="subTitle" idx="1"/>
+            <p:ph type="subTitle" idx="1" hasCustomPrompt="1"/>
           </p:nvPr>
         </p:nvSpPr>
         <p:spPr>
@@ -243,7 +238,6 @@
           <a:p>
             <a:fld id="{0E119A15-836D-4942-827A-79529B70C027}" type="datetimeFigureOut">
               <a:rPr lang="zh-CN" altLang="en-US" smtClean="0"/>
-              <a:t>2018/6/5 Tuesday</a:t>
             </a:fld>
             <a:endParaRPr lang="zh-CN" altLang="en-US"/>
           </a:p>
@@ -285,18 +279,12 @@
           <a:p>
             <a:fld id="{68FDB3D1-FAD6-4F6A-BA83-F4F13218AD50}" type="slidenum">
               <a:rPr lang="zh-CN" altLang="en-US" smtClean="0"/>
-              <a:t>‹#›</a:t>
             </a:fld>
             <a:endParaRPr lang="zh-CN" altLang="en-US"/>
           </a:p>
         </p:txBody>
       </p:sp>
     </p:spTree>
-    <p:extLst>
-      <p:ext uri="{BB962C8B-B14F-4D97-AF65-F5344CB8AC3E}">
-        <p14:creationId xmlns:p14="http://schemas.microsoft.com/office/powerpoint/2010/main" val="3197700275"/>
-      </p:ext>
-    </p:extLst>
   </p:cSld>
   <p:clrMapOvr>
     <a:masterClrMapping/>
@@ -351,7 +339,7 @@
             <a:spLocks noGrp="1"/>
           </p:cNvSpPr>
           <p:nvPr>
-            <p:ph type="body" orient="vert" idx="1"/>
+            <p:ph type="body" orient="vert" idx="1" hasCustomPrompt="1"/>
           </p:nvPr>
         </p:nvSpPr>
         <p:spPr/>
@@ -364,6 +352,7 @@
               <a:rPr lang="zh-CN" altLang="en-US" smtClean="0"/>
               <a:t>编辑母版文本样式</a:t>
             </a:r>
+            <a:endParaRPr lang="zh-CN" altLang="en-US" smtClean="0"/>
           </a:p>
           <a:p>
             <a:pPr lvl="1"/>
@@ -371,6 +360,7 @@
               <a:rPr lang="zh-CN" altLang="en-US" smtClean="0"/>
               <a:t>第二级</a:t>
             </a:r>
+            <a:endParaRPr lang="zh-CN" altLang="en-US" smtClean="0"/>
           </a:p>
           <a:p>
             <a:pPr lvl="2"/>
@@ -378,6 +368,7 @@
               <a:rPr lang="zh-CN" altLang="en-US" smtClean="0"/>
               <a:t>第三级</a:t>
             </a:r>
+            <a:endParaRPr lang="zh-CN" altLang="en-US" smtClean="0"/>
           </a:p>
           <a:p>
             <a:pPr lvl="3"/>
@@ -385,6 +376,7 @@
               <a:rPr lang="zh-CN" altLang="en-US" smtClean="0"/>
               <a:t>第四级</a:t>
             </a:r>
+            <a:endParaRPr lang="zh-CN" altLang="en-US" smtClean="0"/>
           </a:p>
           <a:p>
             <a:pPr lvl="4"/>
@@ -413,7 +405,6 @@
           <a:p>
             <a:fld id="{0E119A15-836D-4942-827A-79529B70C027}" type="datetimeFigureOut">
               <a:rPr lang="zh-CN" altLang="en-US" smtClean="0"/>
-              <a:t>2018/6/5 Tuesday</a:t>
             </a:fld>
             <a:endParaRPr lang="zh-CN" altLang="en-US"/>
           </a:p>
@@ -455,18 +446,12 @@
           <a:p>
             <a:fld id="{68FDB3D1-FAD6-4F6A-BA83-F4F13218AD50}" type="slidenum">
               <a:rPr lang="zh-CN" altLang="en-US" smtClean="0"/>
-              <a:t>‹#›</a:t>
             </a:fld>
             <a:endParaRPr lang="zh-CN" altLang="en-US"/>
           </a:p>
         </p:txBody>
       </p:sp>
     </p:spTree>
-    <p:extLst>
-      <p:ext uri="{BB962C8B-B14F-4D97-AF65-F5344CB8AC3E}">
-        <p14:creationId xmlns:p14="http://schemas.microsoft.com/office/powerpoint/2010/main" val="3090617113"/>
-      </p:ext>
-    </p:extLst>
   </p:cSld>
   <p:clrMapOvr>
     <a:masterClrMapping/>
@@ -526,7 +511,7 @@
             <a:spLocks noGrp="1"/>
           </p:cNvSpPr>
           <p:nvPr>
-            <p:ph type="body" orient="vert" idx="1"/>
+            <p:ph type="body" orient="vert" idx="1" hasCustomPrompt="1"/>
           </p:nvPr>
         </p:nvSpPr>
         <p:spPr>
@@ -544,6 +529,7 @@
               <a:rPr lang="zh-CN" altLang="en-US" smtClean="0"/>
               <a:t>编辑母版文本样式</a:t>
             </a:r>
+            <a:endParaRPr lang="zh-CN" altLang="en-US" smtClean="0"/>
           </a:p>
           <a:p>
             <a:pPr lvl="1"/>
@@ -551,6 +537,7 @@
               <a:rPr lang="zh-CN" altLang="en-US" smtClean="0"/>
               <a:t>第二级</a:t>
             </a:r>
+            <a:endParaRPr lang="zh-CN" altLang="en-US" smtClean="0"/>
           </a:p>
           <a:p>
             <a:pPr lvl="2"/>
@@ -558,6 +545,7 @@
               <a:rPr lang="zh-CN" altLang="en-US" smtClean="0"/>
               <a:t>第三级</a:t>
             </a:r>
+            <a:endParaRPr lang="zh-CN" altLang="en-US" smtClean="0"/>
           </a:p>
           <a:p>
             <a:pPr lvl="3"/>
@@ -565,6 +553,7 @@
               <a:rPr lang="zh-CN" altLang="en-US" smtClean="0"/>
               <a:t>第四级</a:t>
             </a:r>
+            <a:endParaRPr lang="zh-CN" altLang="en-US" smtClean="0"/>
           </a:p>
           <a:p>
             <a:pPr lvl="4"/>
@@ -593,7 +582,6 @@
           <a:p>
             <a:fld id="{0E119A15-836D-4942-827A-79529B70C027}" type="datetimeFigureOut">
               <a:rPr lang="zh-CN" altLang="en-US" smtClean="0"/>
-              <a:t>2018/6/5 Tuesday</a:t>
             </a:fld>
             <a:endParaRPr lang="zh-CN" altLang="en-US"/>
           </a:p>
@@ -635,18 +623,12 @@
           <a:p>
             <a:fld id="{68FDB3D1-FAD6-4F6A-BA83-F4F13218AD50}" type="slidenum">
               <a:rPr lang="zh-CN" altLang="en-US" smtClean="0"/>
-              <a:t>‹#›</a:t>
             </a:fld>
             <a:endParaRPr lang="zh-CN" altLang="en-US"/>
           </a:p>
         </p:txBody>
       </p:sp>
     </p:spTree>
-    <p:extLst>
-      <p:ext uri="{BB962C8B-B14F-4D97-AF65-F5344CB8AC3E}">
-        <p14:creationId xmlns:p14="http://schemas.microsoft.com/office/powerpoint/2010/main" val="345070871"/>
-      </p:ext>
-    </p:extLst>
   </p:cSld>
   <p:clrMapOvr>
     <a:masterClrMapping/>
@@ -701,7 +683,7 @@
             <a:spLocks noGrp="1"/>
           </p:cNvSpPr>
           <p:nvPr>
-            <p:ph idx="1"/>
+            <p:ph idx="1" hasCustomPrompt="1"/>
           </p:nvPr>
         </p:nvSpPr>
         <p:spPr/>
@@ -714,6 +696,7 @@
               <a:rPr lang="zh-CN" altLang="en-US" smtClean="0"/>
               <a:t>编辑母版文本样式</a:t>
             </a:r>
+            <a:endParaRPr lang="zh-CN" altLang="en-US" smtClean="0"/>
           </a:p>
           <a:p>
             <a:pPr lvl="1"/>
@@ -721,6 +704,7 @@
               <a:rPr lang="zh-CN" altLang="en-US" smtClean="0"/>
               <a:t>第二级</a:t>
             </a:r>
+            <a:endParaRPr lang="zh-CN" altLang="en-US" smtClean="0"/>
           </a:p>
           <a:p>
             <a:pPr lvl="2"/>
@@ -728,6 +712,7 @@
               <a:rPr lang="zh-CN" altLang="en-US" smtClean="0"/>
               <a:t>第三级</a:t>
             </a:r>
+            <a:endParaRPr lang="zh-CN" altLang="en-US" smtClean="0"/>
           </a:p>
           <a:p>
             <a:pPr lvl="3"/>
@@ -735,6 +720,7 @@
               <a:rPr lang="zh-CN" altLang="en-US" smtClean="0"/>
               <a:t>第四级</a:t>
             </a:r>
+            <a:endParaRPr lang="zh-CN" altLang="en-US" smtClean="0"/>
           </a:p>
           <a:p>
             <a:pPr lvl="4"/>
@@ -763,7 +749,6 @@
           <a:p>
             <a:fld id="{0E119A15-836D-4942-827A-79529B70C027}" type="datetimeFigureOut">
               <a:rPr lang="zh-CN" altLang="en-US" smtClean="0"/>
-              <a:t>2018/6/5 Tuesday</a:t>
             </a:fld>
             <a:endParaRPr lang="zh-CN" altLang="en-US"/>
           </a:p>
@@ -805,18 +790,12 @@
           <a:p>
             <a:fld id="{68FDB3D1-FAD6-4F6A-BA83-F4F13218AD50}" type="slidenum">
               <a:rPr lang="zh-CN" altLang="en-US" smtClean="0"/>
-              <a:t>‹#›</a:t>
             </a:fld>
             <a:endParaRPr lang="zh-CN" altLang="en-US"/>
           </a:p>
         </p:txBody>
       </p:sp>
     </p:spTree>
-    <p:extLst>
-      <p:ext uri="{BB962C8B-B14F-4D97-AF65-F5344CB8AC3E}">
-        <p14:creationId xmlns:p14="http://schemas.microsoft.com/office/powerpoint/2010/main" val="505127285"/>
-      </p:ext>
-    </p:extLst>
   </p:cSld>
   <p:clrMapOvr>
     <a:masterClrMapping/>
@@ -880,7 +859,7 @@
             <a:spLocks noGrp="1"/>
           </p:cNvSpPr>
           <p:nvPr>
-            <p:ph type="body" idx="1"/>
+            <p:ph type="body" idx="1" hasCustomPrompt="1"/>
           </p:nvPr>
         </p:nvSpPr>
         <p:spPr>
@@ -1009,7 +988,6 @@
           <a:p>
             <a:fld id="{0E119A15-836D-4942-827A-79529B70C027}" type="datetimeFigureOut">
               <a:rPr lang="zh-CN" altLang="en-US" smtClean="0"/>
-              <a:t>2018/6/5 Tuesday</a:t>
             </a:fld>
             <a:endParaRPr lang="zh-CN" altLang="en-US"/>
           </a:p>
@@ -1051,18 +1029,12 @@
           <a:p>
             <a:fld id="{68FDB3D1-FAD6-4F6A-BA83-F4F13218AD50}" type="slidenum">
               <a:rPr lang="zh-CN" altLang="en-US" smtClean="0"/>
-              <a:t>‹#›</a:t>
             </a:fld>
             <a:endParaRPr lang="zh-CN" altLang="en-US"/>
           </a:p>
         </p:txBody>
       </p:sp>
     </p:spTree>
-    <p:extLst>
-      <p:ext uri="{BB962C8B-B14F-4D97-AF65-F5344CB8AC3E}">
-        <p14:creationId xmlns:p14="http://schemas.microsoft.com/office/powerpoint/2010/main" val="568903522"/>
-      </p:ext>
-    </p:extLst>
   </p:cSld>
   <p:clrMapOvr>
     <a:masterClrMapping/>
@@ -1117,7 +1089,7 @@
             <a:spLocks noGrp="1"/>
           </p:cNvSpPr>
           <p:nvPr>
-            <p:ph sz="half" idx="1"/>
+            <p:ph sz="half" idx="1" hasCustomPrompt="1"/>
           </p:nvPr>
         </p:nvSpPr>
         <p:spPr>
@@ -1135,6 +1107,7 @@
               <a:rPr lang="zh-CN" altLang="en-US" smtClean="0"/>
               <a:t>编辑母版文本样式</a:t>
             </a:r>
+            <a:endParaRPr lang="zh-CN" altLang="en-US" smtClean="0"/>
           </a:p>
           <a:p>
             <a:pPr lvl="1"/>
@@ -1142,6 +1115,7 @@
               <a:rPr lang="zh-CN" altLang="en-US" smtClean="0"/>
               <a:t>第二级</a:t>
             </a:r>
+            <a:endParaRPr lang="zh-CN" altLang="en-US" smtClean="0"/>
           </a:p>
           <a:p>
             <a:pPr lvl="2"/>
@@ -1149,6 +1123,7 @@
               <a:rPr lang="zh-CN" altLang="en-US" smtClean="0"/>
               <a:t>第三级</a:t>
             </a:r>
+            <a:endParaRPr lang="zh-CN" altLang="en-US" smtClean="0"/>
           </a:p>
           <a:p>
             <a:pPr lvl="3"/>
@@ -1156,6 +1131,7 @@
               <a:rPr lang="zh-CN" altLang="en-US" smtClean="0"/>
               <a:t>第四级</a:t>
             </a:r>
+            <a:endParaRPr lang="zh-CN" altLang="en-US" smtClean="0"/>
           </a:p>
           <a:p>
             <a:pPr lvl="4"/>
@@ -1174,7 +1150,7 @@
             <a:spLocks noGrp="1"/>
           </p:cNvSpPr>
           <p:nvPr>
-            <p:ph sz="half" idx="2"/>
+            <p:ph sz="half" idx="2" hasCustomPrompt="1"/>
           </p:nvPr>
         </p:nvSpPr>
         <p:spPr>
@@ -1192,6 +1168,7 @@
               <a:rPr lang="zh-CN" altLang="en-US" smtClean="0"/>
               <a:t>编辑母版文本样式</a:t>
             </a:r>
+            <a:endParaRPr lang="zh-CN" altLang="en-US" smtClean="0"/>
           </a:p>
           <a:p>
             <a:pPr lvl="1"/>
@@ -1199,6 +1176,7 @@
               <a:rPr lang="zh-CN" altLang="en-US" smtClean="0"/>
               <a:t>第二级</a:t>
             </a:r>
+            <a:endParaRPr lang="zh-CN" altLang="en-US" smtClean="0"/>
           </a:p>
           <a:p>
             <a:pPr lvl="2"/>
@@ -1206,6 +1184,7 @@
               <a:rPr lang="zh-CN" altLang="en-US" smtClean="0"/>
               <a:t>第三级</a:t>
             </a:r>
+            <a:endParaRPr lang="zh-CN" altLang="en-US" smtClean="0"/>
           </a:p>
           <a:p>
             <a:pPr lvl="3"/>
@@ -1213,6 +1192,7 @@
               <a:rPr lang="zh-CN" altLang="en-US" smtClean="0"/>
               <a:t>第四级</a:t>
             </a:r>
+            <a:endParaRPr lang="zh-CN" altLang="en-US" smtClean="0"/>
           </a:p>
           <a:p>
             <a:pPr lvl="4"/>
@@ -1241,7 +1221,6 @@
           <a:p>
             <a:fld id="{0E119A15-836D-4942-827A-79529B70C027}" type="datetimeFigureOut">
               <a:rPr lang="zh-CN" altLang="en-US" smtClean="0"/>
-              <a:t>2018/6/5 Tuesday</a:t>
             </a:fld>
             <a:endParaRPr lang="zh-CN" altLang="en-US"/>
           </a:p>
@@ -1283,18 +1262,12 @@
           <a:p>
             <a:fld id="{68FDB3D1-FAD6-4F6A-BA83-F4F13218AD50}" type="slidenum">
               <a:rPr lang="zh-CN" altLang="en-US" smtClean="0"/>
-              <a:t>‹#›</a:t>
             </a:fld>
             <a:endParaRPr lang="zh-CN" altLang="en-US"/>
           </a:p>
         </p:txBody>
       </p:sp>
     </p:spTree>
-    <p:extLst>
-      <p:ext uri="{BB962C8B-B14F-4D97-AF65-F5344CB8AC3E}">
-        <p14:creationId xmlns:p14="http://schemas.microsoft.com/office/powerpoint/2010/main" val="26750358"/>
-      </p:ext>
-    </p:extLst>
   </p:cSld>
   <p:clrMapOvr>
     <a:masterClrMapping/>
@@ -1354,7 +1327,7 @@
             <a:spLocks noGrp="1"/>
           </p:cNvSpPr>
           <p:nvPr>
-            <p:ph type="body" idx="1"/>
+            <p:ph type="body" idx="1" hasCustomPrompt="1"/>
           </p:nvPr>
         </p:nvSpPr>
         <p:spPr>
@@ -1419,7 +1392,7 @@
             <a:spLocks noGrp="1"/>
           </p:cNvSpPr>
           <p:nvPr>
-            <p:ph sz="half" idx="2"/>
+            <p:ph sz="half" idx="2" hasCustomPrompt="1"/>
           </p:nvPr>
         </p:nvSpPr>
         <p:spPr>
@@ -1437,6 +1410,7 @@
               <a:rPr lang="zh-CN" altLang="en-US" smtClean="0"/>
               <a:t>编辑母版文本样式</a:t>
             </a:r>
+            <a:endParaRPr lang="zh-CN" altLang="en-US" smtClean="0"/>
           </a:p>
           <a:p>
             <a:pPr lvl="1"/>
@@ -1444,6 +1418,7 @@
               <a:rPr lang="zh-CN" altLang="en-US" smtClean="0"/>
               <a:t>第二级</a:t>
             </a:r>
+            <a:endParaRPr lang="zh-CN" altLang="en-US" smtClean="0"/>
           </a:p>
           <a:p>
             <a:pPr lvl="2"/>
@@ -1451,6 +1426,7 @@
               <a:rPr lang="zh-CN" altLang="en-US" smtClean="0"/>
               <a:t>第三级</a:t>
             </a:r>
+            <a:endParaRPr lang="zh-CN" altLang="en-US" smtClean="0"/>
           </a:p>
           <a:p>
             <a:pPr lvl="3"/>
@@ -1458,6 +1434,7 @@
               <a:rPr lang="zh-CN" altLang="en-US" smtClean="0"/>
               <a:t>第四级</a:t>
             </a:r>
+            <a:endParaRPr lang="zh-CN" altLang="en-US" smtClean="0"/>
           </a:p>
           <a:p>
             <a:pPr lvl="4"/>
@@ -1476,7 +1453,7 @@
             <a:spLocks noGrp="1"/>
           </p:cNvSpPr>
           <p:nvPr>
-            <p:ph type="body" sz="quarter" idx="3"/>
+            <p:ph type="body" sz="quarter" idx="3" hasCustomPrompt="1"/>
           </p:nvPr>
         </p:nvSpPr>
         <p:spPr>
@@ -1541,7 +1518,7 @@
             <a:spLocks noGrp="1"/>
           </p:cNvSpPr>
           <p:nvPr>
-            <p:ph sz="quarter" idx="4"/>
+            <p:ph sz="quarter" idx="4" hasCustomPrompt="1"/>
           </p:nvPr>
         </p:nvSpPr>
         <p:spPr>
@@ -1559,6 +1536,7 @@
               <a:rPr lang="zh-CN" altLang="en-US" smtClean="0"/>
               <a:t>编辑母版文本样式</a:t>
             </a:r>
+            <a:endParaRPr lang="zh-CN" altLang="en-US" smtClean="0"/>
           </a:p>
           <a:p>
             <a:pPr lvl="1"/>
@@ -1566,6 +1544,7 @@
               <a:rPr lang="zh-CN" altLang="en-US" smtClean="0"/>
               <a:t>第二级</a:t>
             </a:r>
+            <a:endParaRPr lang="zh-CN" altLang="en-US" smtClean="0"/>
           </a:p>
           <a:p>
             <a:pPr lvl="2"/>
@@ -1573,6 +1552,7 @@
               <a:rPr lang="zh-CN" altLang="en-US" smtClean="0"/>
               <a:t>第三级</a:t>
             </a:r>
+            <a:endParaRPr lang="zh-CN" altLang="en-US" smtClean="0"/>
           </a:p>
           <a:p>
             <a:pPr lvl="3"/>
@@ -1580,6 +1560,7 @@
               <a:rPr lang="zh-CN" altLang="en-US" smtClean="0"/>
               <a:t>第四级</a:t>
             </a:r>
+            <a:endParaRPr lang="zh-CN" altLang="en-US" smtClean="0"/>
           </a:p>
           <a:p>
             <a:pPr lvl="4"/>
@@ -1608,7 +1589,6 @@
           <a:p>
             <a:fld id="{0E119A15-836D-4942-827A-79529B70C027}" type="datetimeFigureOut">
               <a:rPr lang="zh-CN" altLang="en-US" smtClean="0"/>
-              <a:t>2018/6/5 Tuesday</a:t>
             </a:fld>
             <a:endParaRPr lang="zh-CN" altLang="en-US"/>
           </a:p>
@@ -1650,18 +1630,12 @@
           <a:p>
             <a:fld id="{68FDB3D1-FAD6-4F6A-BA83-F4F13218AD50}" type="slidenum">
               <a:rPr lang="zh-CN" altLang="en-US" smtClean="0"/>
-              <a:t>‹#›</a:t>
             </a:fld>
             <a:endParaRPr lang="zh-CN" altLang="en-US"/>
           </a:p>
         </p:txBody>
       </p:sp>
     </p:spTree>
-    <p:extLst>
-      <p:ext uri="{BB962C8B-B14F-4D97-AF65-F5344CB8AC3E}">
-        <p14:creationId xmlns:p14="http://schemas.microsoft.com/office/powerpoint/2010/main" val="3299943578"/>
-      </p:ext>
-    </p:extLst>
   </p:cSld>
   <p:clrMapOvr>
     <a:masterClrMapping/>
@@ -1726,7 +1700,6 @@
           <a:p>
             <a:fld id="{0E119A15-836D-4942-827A-79529B70C027}" type="datetimeFigureOut">
               <a:rPr lang="zh-CN" altLang="en-US" smtClean="0"/>
-              <a:t>2018/6/5 Tuesday</a:t>
             </a:fld>
             <a:endParaRPr lang="zh-CN" altLang="en-US"/>
           </a:p>
@@ -1768,18 +1741,12 @@
           <a:p>
             <a:fld id="{68FDB3D1-FAD6-4F6A-BA83-F4F13218AD50}" type="slidenum">
               <a:rPr lang="zh-CN" altLang="en-US" smtClean="0"/>
-              <a:t>‹#›</a:t>
             </a:fld>
             <a:endParaRPr lang="zh-CN" altLang="en-US"/>
           </a:p>
         </p:txBody>
       </p:sp>
     </p:spTree>
-    <p:extLst>
-      <p:ext uri="{BB962C8B-B14F-4D97-AF65-F5344CB8AC3E}">
-        <p14:creationId xmlns:p14="http://schemas.microsoft.com/office/powerpoint/2010/main" val="1058287251"/>
-      </p:ext>
-    </p:extLst>
   </p:cSld>
   <p:clrMapOvr>
     <a:masterClrMapping/>
@@ -1821,7 +1788,6 @@
           <a:p>
             <a:fld id="{0E119A15-836D-4942-827A-79529B70C027}" type="datetimeFigureOut">
               <a:rPr lang="zh-CN" altLang="en-US" smtClean="0"/>
-              <a:t>2018/6/5 Tuesday</a:t>
             </a:fld>
             <a:endParaRPr lang="zh-CN" altLang="en-US"/>
           </a:p>
@@ -1863,18 +1829,12 @@
           <a:p>
             <a:fld id="{68FDB3D1-FAD6-4F6A-BA83-F4F13218AD50}" type="slidenum">
               <a:rPr lang="zh-CN" altLang="en-US" smtClean="0"/>
-              <a:t>‹#›</a:t>
             </a:fld>
             <a:endParaRPr lang="zh-CN" altLang="en-US"/>
           </a:p>
         </p:txBody>
       </p:sp>
     </p:spTree>
-    <p:extLst>
-      <p:ext uri="{BB962C8B-B14F-4D97-AF65-F5344CB8AC3E}">
-        <p14:creationId xmlns:p14="http://schemas.microsoft.com/office/powerpoint/2010/main" val="2970915723"/>
-      </p:ext>
-    </p:extLst>
   </p:cSld>
   <p:clrMapOvr>
     <a:masterClrMapping/>
@@ -1938,7 +1898,7 @@
             <a:spLocks noGrp="1"/>
           </p:cNvSpPr>
           <p:nvPr>
-            <p:ph idx="1"/>
+            <p:ph idx="1" hasCustomPrompt="1"/>
           </p:nvPr>
         </p:nvSpPr>
         <p:spPr>
@@ -1984,6 +1944,7 @@
               <a:rPr lang="zh-CN" altLang="en-US" smtClean="0"/>
               <a:t>编辑母版文本样式</a:t>
             </a:r>
+            <a:endParaRPr lang="zh-CN" altLang="en-US" smtClean="0"/>
           </a:p>
           <a:p>
             <a:pPr lvl="1"/>
@@ -1991,6 +1952,7 @@
               <a:rPr lang="zh-CN" altLang="en-US" smtClean="0"/>
               <a:t>第二级</a:t>
             </a:r>
+            <a:endParaRPr lang="zh-CN" altLang="en-US" smtClean="0"/>
           </a:p>
           <a:p>
             <a:pPr lvl="2"/>
@@ -1998,6 +1960,7 @@
               <a:rPr lang="zh-CN" altLang="en-US" smtClean="0"/>
               <a:t>第三级</a:t>
             </a:r>
+            <a:endParaRPr lang="zh-CN" altLang="en-US" smtClean="0"/>
           </a:p>
           <a:p>
             <a:pPr lvl="3"/>
@@ -2005,6 +1968,7 @@
               <a:rPr lang="zh-CN" altLang="en-US" smtClean="0"/>
               <a:t>第四级</a:t>
             </a:r>
+            <a:endParaRPr lang="zh-CN" altLang="en-US" smtClean="0"/>
           </a:p>
           <a:p>
             <a:pPr lvl="4"/>
@@ -2023,7 +1987,7 @@
             <a:spLocks noGrp="1"/>
           </p:cNvSpPr>
           <p:nvPr>
-            <p:ph type="body" sz="half" idx="2"/>
+            <p:ph type="body" sz="half" idx="2" hasCustomPrompt="1"/>
           </p:nvPr>
         </p:nvSpPr>
         <p:spPr>
@@ -2098,7 +2062,6 @@
           <a:p>
             <a:fld id="{0E119A15-836D-4942-827A-79529B70C027}" type="datetimeFigureOut">
               <a:rPr lang="zh-CN" altLang="en-US" smtClean="0"/>
-              <a:t>2018/6/5 Tuesday</a:t>
             </a:fld>
             <a:endParaRPr lang="zh-CN" altLang="en-US"/>
           </a:p>
@@ -2140,18 +2103,12 @@
           <a:p>
             <a:fld id="{68FDB3D1-FAD6-4F6A-BA83-F4F13218AD50}" type="slidenum">
               <a:rPr lang="zh-CN" altLang="en-US" smtClean="0"/>
-              <a:t>‹#›</a:t>
             </a:fld>
             <a:endParaRPr lang="zh-CN" altLang="en-US"/>
           </a:p>
         </p:txBody>
       </p:sp>
     </p:spTree>
-    <p:extLst>
-      <p:ext uri="{BB962C8B-B14F-4D97-AF65-F5344CB8AC3E}">
-        <p14:creationId xmlns:p14="http://schemas.microsoft.com/office/powerpoint/2010/main" val="2281391282"/>
-      </p:ext>
-    </p:extLst>
   </p:cSld>
   <p:clrMapOvr>
     <a:masterClrMapping/>
@@ -2276,7 +2233,7 @@
             <a:spLocks noGrp="1"/>
           </p:cNvSpPr>
           <p:nvPr>
-            <p:ph type="body" sz="half" idx="2"/>
+            <p:ph type="body" sz="half" idx="2" hasCustomPrompt="1"/>
           </p:nvPr>
         </p:nvSpPr>
         <p:spPr>
@@ -2351,7 +2308,6 @@
           <a:p>
             <a:fld id="{0E119A15-836D-4942-827A-79529B70C027}" type="datetimeFigureOut">
               <a:rPr lang="zh-CN" altLang="en-US" smtClean="0"/>
-              <a:t>2018/6/5 Tuesday</a:t>
             </a:fld>
             <a:endParaRPr lang="zh-CN" altLang="en-US"/>
           </a:p>
@@ -2393,18 +2349,12 @@
           <a:p>
             <a:fld id="{68FDB3D1-FAD6-4F6A-BA83-F4F13218AD50}" type="slidenum">
               <a:rPr lang="zh-CN" altLang="en-US" smtClean="0"/>
-              <a:t>‹#›</a:t>
             </a:fld>
             <a:endParaRPr lang="zh-CN" altLang="en-US"/>
           </a:p>
         </p:txBody>
       </p:sp>
     </p:spTree>
-    <p:extLst>
-      <p:ext uri="{BB962C8B-B14F-4D97-AF65-F5344CB8AC3E}">
-        <p14:creationId xmlns:p14="http://schemas.microsoft.com/office/powerpoint/2010/main" val="989637721"/>
-      </p:ext>
-    </p:extLst>
   </p:cSld>
   <p:clrMapOvr>
     <a:masterClrMapping/>
@@ -2497,6 +2447,7 @@
               <a:rPr lang="zh-CN" altLang="en-US" smtClean="0"/>
               <a:t>编辑母版文本样式</a:t>
             </a:r>
+            <a:endParaRPr lang="zh-CN" altLang="en-US" smtClean="0"/>
           </a:p>
           <a:p>
             <a:pPr lvl="1"/>
@@ -2504,6 +2455,7 @@
               <a:rPr lang="zh-CN" altLang="en-US" smtClean="0"/>
               <a:t>第二级</a:t>
             </a:r>
+            <a:endParaRPr lang="zh-CN" altLang="en-US" smtClean="0"/>
           </a:p>
           <a:p>
             <a:pPr lvl="2"/>
@@ -2511,6 +2463,7 @@
               <a:rPr lang="zh-CN" altLang="en-US" smtClean="0"/>
               <a:t>第三级</a:t>
             </a:r>
+            <a:endParaRPr lang="zh-CN" altLang="en-US" smtClean="0"/>
           </a:p>
           <a:p>
             <a:pPr lvl="3"/>
@@ -2518,6 +2471,7 @@
               <a:rPr lang="zh-CN" altLang="en-US" smtClean="0"/>
               <a:t>第四级</a:t>
             </a:r>
+            <a:endParaRPr lang="zh-CN" altLang="en-US" smtClean="0"/>
           </a:p>
           <a:p>
             <a:pPr lvl="4"/>
@@ -2564,7 +2518,6 @@
           <a:p>
             <a:fld id="{0E119A15-836D-4942-827A-79529B70C027}" type="datetimeFigureOut">
               <a:rPr lang="zh-CN" altLang="en-US" smtClean="0"/>
-              <a:t>2018/6/5 Tuesday</a:t>
             </a:fld>
             <a:endParaRPr lang="zh-CN" altLang="en-US"/>
           </a:p>
@@ -2642,18 +2595,12 @@
           <a:p>
             <a:fld id="{68FDB3D1-FAD6-4F6A-BA83-F4F13218AD50}" type="slidenum">
               <a:rPr lang="zh-CN" altLang="en-US" smtClean="0"/>
-              <a:t>‹#›</a:t>
             </a:fld>
             <a:endParaRPr lang="zh-CN" altLang="en-US"/>
           </a:p>
         </p:txBody>
       </p:sp>
     </p:spTree>
-    <p:extLst>
-      <p:ext uri="{BB962C8B-B14F-4D97-AF65-F5344CB8AC3E}">
-        <p14:creationId xmlns:p14="http://schemas.microsoft.com/office/powerpoint/2010/main" val="1229580261"/>
-      </p:ext>
-    </p:extLst>
   </p:cSld>
   <p:clrMap bg1="lt1" tx1="dk1" bg2="lt2" tx2="dk2" accent1="accent1" accent2="accent2" accent3="accent3" accent4="accent4" accent5="accent5" accent6="accent6" hlink="hlink" folHlink="folHlink"/>
   <p:sldLayoutIdLst>
@@ -2697,7 +2644,7 @@
         <a:spcBef>
           <a:spcPts val="1000"/>
         </a:spcBef>
-        <a:buFont typeface="Arial" panose="020B0604020202020204" pitchFamily="34" charset="0"/>
+        <a:buFont typeface="Arial" charset="0"/>
         <a:buChar char="•"/>
         <a:defRPr sz="2800" kern="1200">
           <a:solidFill>
@@ -2715,7 +2662,7 @@
         <a:spcBef>
           <a:spcPts val="500"/>
         </a:spcBef>
-        <a:buFont typeface="Arial" panose="020B0604020202020204" pitchFamily="34" charset="0"/>
+        <a:buFont typeface="Arial" charset="0"/>
         <a:buChar char="•"/>
         <a:defRPr sz="2400" kern="1200">
           <a:solidFill>
@@ -2733,7 +2680,7 @@
         <a:spcBef>
           <a:spcPts val="500"/>
         </a:spcBef>
-        <a:buFont typeface="Arial" panose="020B0604020202020204" pitchFamily="34" charset="0"/>
+        <a:buFont typeface="Arial" charset="0"/>
         <a:buChar char="•"/>
         <a:defRPr sz="2000" kern="1200">
           <a:solidFill>
@@ -2751,7 +2698,7 @@
         <a:spcBef>
           <a:spcPts val="500"/>
         </a:spcBef>
-        <a:buFont typeface="Arial" panose="020B0604020202020204" pitchFamily="34" charset="0"/>
+        <a:buFont typeface="Arial" charset="0"/>
         <a:buChar char="•"/>
         <a:defRPr sz="1800" kern="1200">
           <a:solidFill>
@@ -2769,7 +2716,7 @@
         <a:spcBef>
           <a:spcPts val="500"/>
         </a:spcBef>
-        <a:buFont typeface="Arial" panose="020B0604020202020204" pitchFamily="34" charset="0"/>
+        <a:buFont typeface="Arial" charset="0"/>
         <a:buChar char="•"/>
         <a:defRPr sz="1800" kern="1200">
           <a:solidFill>
@@ -2787,7 +2734,7 @@
         <a:spcBef>
           <a:spcPts val="500"/>
         </a:spcBef>
-        <a:buFont typeface="Arial" panose="020B0604020202020204" pitchFamily="34" charset="0"/>
+        <a:buFont typeface="Arial" charset="0"/>
         <a:buChar char="•"/>
         <a:defRPr sz="1800" kern="1200">
           <a:solidFill>
@@ -2805,7 +2752,7 @@
         <a:spcBef>
           <a:spcPts val="500"/>
         </a:spcBef>
-        <a:buFont typeface="Arial" panose="020B0604020202020204" pitchFamily="34" charset="0"/>
+        <a:buFont typeface="Arial" charset="0"/>
         <a:buChar char="•"/>
         <a:defRPr sz="1800" kern="1200">
           <a:solidFill>
@@ -2823,7 +2770,7 @@
         <a:spcBef>
           <a:spcPts val="500"/>
         </a:spcBef>
-        <a:buFont typeface="Arial" panose="020B0604020202020204" pitchFamily="34" charset="0"/>
+        <a:buFont typeface="Arial" charset="0"/>
         <a:buChar char="•"/>
         <a:defRPr sz="1800" kern="1200">
           <a:solidFill>
@@ -2841,7 +2788,7 @@
         <a:spcBef>
           <a:spcPts val="500"/>
         </a:spcBef>
-        <a:buFont typeface="Arial" panose="020B0604020202020204" pitchFamily="34" charset="0"/>
+        <a:buFont typeface="Arial" charset="0"/>
         <a:buChar char="•"/>
         <a:defRPr sz="1800" kern="1200">
           <a:solidFill>
@@ -2997,6 +2944,14 @@
               <a:rPr lang="en-US" altLang="zh-CN" smtClean="0"/>
               <a:t>Model For </a:t>
             </a:r>
+            <a:r>
+              <a:rPr lang="x-none" altLang="en-US" smtClean="0"/>
+              <a:t>Assembly</a:t>
+            </a:r>
+            <a:r>
+              <a:rPr lang="en-US" altLang="zh-CN" smtClean="0"/>
+              <a:t> </a:t>
+            </a:r>
             <a:endParaRPr lang="zh-CN" altLang="en-US" dirty="0"/>
           </a:p>
         </p:txBody>
@@ -3009,11 +2964,6 @@
           </p:cNvGraphicFramePr>
           <p:nvPr>
             <p:ph idx="1"/>
-            <p:extLst>
-              <p:ext uri="{D42A27DB-BD31-4B8C-83A1-F6EECF244321}">
-                <p14:modId xmlns:p14="http://schemas.microsoft.com/office/powerpoint/2010/main" val="2056048214"/>
-              </p:ext>
-            </p:extLst>
           </p:nvPr>
         </p:nvGraphicFramePr>
         <p:xfrm>
@@ -3027,36 +2977,12 @@
                 <a:tableStyleId>{5C22544A-7EE6-4342-B048-85BDC9FD1C3A}</a:tableStyleId>
               </a:tblPr>
               <a:tblGrid>
-                <a:gridCol w="3185160">
-                  <a:extLst>
-                    <a:ext uri="{9D8B030D-6E8A-4147-A177-3AD203B41FA5}">
-                      <a16:colId xmlns:a16="http://schemas.microsoft.com/office/drawing/2014/main" val="20000"/>
-                    </a:ext>
-                  </a:extLst>
-                </a:gridCol>
-                <a:gridCol w="2072640">
-                  <a:extLst>
-                    <a:ext uri="{9D8B030D-6E8A-4147-A177-3AD203B41FA5}">
-                      <a16:colId xmlns:a16="http://schemas.microsoft.com/office/drawing/2014/main" val="20001"/>
-                    </a:ext>
-                  </a:extLst>
-                </a:gridCol>
-                <a:gridCol w="2628900">
-                  <a:extLst>
-                    <a:ext uri="{9D8B030D-6E8A-4147-A177-3AD203B41FA5}">
-                      <a16:colId xmlns:a16="http://schemas.microsoft.com/office/drawing/2014/main" val="20002"/>
-                    </a:ext>
-                  </a:extLst>
-                </a:gridCol>
-                <a:gridCol w="2628900">
-                  <a:extLst>
-                    <a:ext uri="{9D8B030D-6E8A-4147-A177-3AD203B41FA5}">
-                      <a16:colId xmlns:a16="http://schemas.microsoft.com/office/drawing/2014/main" val="20003"/>
-                    </a:ext>
-                  </a:extLst>
-                </a:gridCol>
+                <a:gridCol w="3185160"/>
+                <a:gridCol w="2072640"/>
+                <a:gridCol w="2628900"/>
+                <a:gridCol w="2628900"/>
               </a:tblGrid>
-              <a:tr h="612775">
+              <a:tr h="914400">
                 <a:tc gridSpan="4">
                   <a:txBody>
                     <a:bodyPr/>
@@ -3076,7 +3002,6 @@
                         <a:buSzTx/>
                         <a:buFont typeface="+mj-lt"/>
                         <a:buNone/>
-                        <a:tabLst/>
                         <a:defRPr/>
                       </a:pPr>
                       <a:r>
@@ -3095,6 +3020,7 @@
                         <a:rPr lang="en-US" altLang="zh-CN" baseline="0" dirty="0" smtClean="0"/>
                         <a:t>: </a:t>
                       </a:r>
+                      <a:endParaRPr lang="en-US" altLang="zh-CN" baseline="0" dirty="0" smtClean="0"/>
                     </a:p>
                     <a:p>
                       <a:pPr marL="342900" marR="0" lvl="0" indent="-342900" algn="l" defTabSz="914400" rtl="0" eaLnBrk="1" fontAlgn="auto" latinLnBrk="0" hangingPunct="1">
@@ -3111,13 +3037,13 @@
                         <a:buSzTx/>
                         <a:buFont typeface="+mj-lt"/>
                         <a:buAutoNum type="arabicPeriod"/>
-                        <a:tabLst/>
                         <a:defRPr/>
                       </a:pPr>
                       <a:r>
-                        <a:rPr lang="en-US" altLang="zh-CN" baseline="0" dirty="0" smtClean="0"/>
-                        <a:t>A</a:t>
+                        <a:rPr lang="x-none" altLang="en-US" baseline="0" dirty="0" smtClean="0"/>
+                        <a:t>Entire Hack computer built in previous chapters</a:t>
                       </a:r>
+                      <a:endParaRPr lang="x-none" altLang="en-US" baseline="0" dirty="0" smtClean="0"/>
                     </a:p>
                     <a:p>
                       <a:pPr marL="342900" marR="0" lvl="0" indent="-342900" algn="l" defTabSz="914400" rtl="0" eaLnBrk="1" fontAlgn="auto" latinLnBrk="0" hangingPunct="1">
@@ -3134,53 +3060,26 @@
                         <a:buSzTx/>
                         <a:buFont typeface="+mj-lt"/>
                         <a:buAutoNum type="arabicPeriod"/>
-                        <a:tabLst/>
                         <a:defRPr/>
                       </a:pPr>
                       <a:r>
-                        <a:rPr lang="en-US" altLang="zh-CN" baseline="0" dirty="0" smtClean="0"/>
-                        <a:t>T</a:t>
+                        <a:rPr lang="x-none" altLang="en-US" baseline="0" dirty="0" smtClean="0"/>
+                        <a:t>The already defined instructions set of the CPU</a:t>
                       </a:r>
-                      <a:endParaRPr lang="en-US" altLang="zh-CN" baseline="0" dirty="0" smtClean="0"/>
+                      <a:endParaRPr lang="x-none" altLang="en-US" baseline="0" dirty="0" smtClean="0"/>
                     </a:p>
                   </a:txBody>
                   <a:tcPr/>
                 </a:tc>
                 <a:tc hMerge="1">
-                  <a:txBody>
-                    <a:bodyPr/>
-                    <a:lstStyle/>
-                    <a:p>
-                      <a:endParaRPr lang="zh-CN" altLang="en-US" dirty="0"/>
-                    </a:p>
-                  </a:txBody>
                   <a:tcPr/>
                 </a:tc>
                 <a:tc hMerge="1">
-                  <a:txBody>
-                    <a:bodyPr/>
-                    <a:lstStyle/>
-                    <a:p>
-                      <a:endParaRPr lang="zh-CN" altLang="en-US" dirty="0"/>
-                    </a:p>
-                  </a:txBody>
                   <a:tcPr/>
                 </a:tc>
                 <a:tc hMerge="1">
-                  <a:txBody>
-                    <a:bodyPr/>
-                    <a:lstStyle/>
-                    <a:p>
-                      <a:endParaRPr lang="zh-CN" altLang="en-US" dirty="0"/>
-                    </a:p>
-                  </a:txBody>
                   <a:tcPr/>
                 </a:tc>
-                <a:extLst>
-                  <a:ext uri="{0D108BD9-81ED-4DB2-BD59-A6C34878D82A}">
-                    <a16:rowId xmlns:a16="http://schemas.microsoft.com/office/drawing/2014/main" val="10000"/>
-                  </a:ext>
-                </a:extLst>
               </a:tr>
               <a:tr h="429895">
                 <a:tc gridSpan="4">
@@ -3202,7 +3101,6 @@
                         <a:buSzTx/>
                         <a:buFontTx/>
                         <a:buNone/>
-                        <a:tabLst/>
                         <a:defRPr/>
                       </a:pPr>
                       <a:r>
@@ -3215,10 +3113,10 @@
                           <a:ea typeface="+mn-ea"/>
                           <a:cs typeface="+mn-cs"/>
                         </a:rPr>
-                        <a:t>Goal</a:t>
+                        <a:t>Goal:</a:t>
                       </a:r>
                       <a:r>
-                        <a:rPr lang="en-US" altLang="zh-CN" sz="1800" b="1" i="0" kern="1200" dirty="0" smtClean="0">
+                        <a:rPr lang="x-none" altLang="en-US" sz="1800" b="1" i="0" kern="1200" dirty="0" smtClean="0">
                           <a:solidFill>
                             <a:schemeClr val="dk1"/>
                           </a:solidFill>
@@ -3227,9 +3125,9 @@
                           <a:ea typeface="+mn-ea"/>
                           <a:cs typeface="+mn-cs"/>
                         </a:rPr>
-                        <a:t>:</a:t>
+                        <a:t>Specify the machine language,design an according assembly language</a:t>
                       </a:r>
-                      <a:endParaRPr lang="en-US" altLang="zh-CN" sz="1800" b="1" i="0" kern="1200" dirty="0" smtClean="0">
+                      <a:endParaRPr lang="x-none" altLang="en-US" sz="1800" b="1" i="0" kern="1200" dirty="0" smtClean="0">
                         <a:solidFill>
                           <a:schemeClr val="dk1"/>
                         </a:solidFill>
@@ -3243,40 +3141,14 @@
                   <a:tcPr/>
                 </a:tc>
                 <a:tc hMerge="1">
-                  <a:txBody>
-                    <a:bodyPr/>
-                    <a:lstStyle/>
-                    <a:p>
-                      <a:endParaRPr lang="zh-CN" altLang="en-US" dirty="0"/>
-                    </a:p>
-                  </a:txBody>
                   <a:tcPr/>
                 </a:tc>
                 <a:tc hMerge="1">
-                  <a:txBody>
-                    <a:bodyPr/>
-                    <a:lstStyle/>
-                    <a:p>
-                      <a:endParaRPr lang="zh-CN" altLang="en-US" dirty="0"/>
-                    </a:p>
-                  </a:txBody>
                   <a:tcPr/>
                 </a:tc>
                 <a:tc hMerge="1">
-                  <a:txBody>
-                    <a:bodyPr/>
-                    <a:lstStyle/>
-                    <a:p>
-                      <a:endParaRPr lang="zh-CN" altLang="en-US" dirty="0"/>
-                    </a:p>
-                  </a:txBody>
                   <a:tcPr/>
                 </a:tc>
-                <a:extLst>
-                  <a:ext uri="{0D108BD9-81ED-4DB2-BD59-A6C34878D82A}">
-                    <a16:rowId xmlns:a16="http://schemas.microsoft.com/office/drawing/2014/main" val="10001"/>
-                  </a:ext>
-                </a:extLst>
               </a:tr>
               <a:tr h="3467735">
                 <a:tc>
@@ -3298,7 +3170,6 @@
                         <a:buSzTx/>
                         <a:buFontTx/>
                         <a:buNone/>
-                        <a:tabLst/>
                         <a:defRPr/>
                       </a:pPr>
                       <a:r>
@@ -3313,6 +3184,15 @@
                         </a:rPr>
                         <a:t>Effect</a:t>
                       </a:r>
+                      <a:endParaRPr lang="en-US" altLang="zh-CN" sz="1800" b="1" i="0" kern="1200" dirty="0" smtClean="0">
+                        <a:solidFill>
+                          <a:schemeClr val="dk1"/>
+                        </a:solidFill>
+                        <a:effectLst/>
+                        <a:latin typeface="+mn-lt"/>
+                        <a:ea typeface="+mn-ea"/>
+                        <a:cs typeface="+mn-cs"/>
+                      </a:endParaRPr>
                     </a:p>
                     <a:p>
                       <a:pPr marL="342900" marR="0" lvl="0" indent="-342900" algn="l" defTabSz="914400" rtl="0" eaLnBrk="1" fontAlgn="auto" latinLnBrk="0" hangingPunct="1">
@@ -3329,11 +3209,10 @@
                         <a:buSzTx/>
                         <a:buFont typeface="+mj-lt"/>
                         <a:buAutoNum type="arabicPeriod"/>
-                        <a:tabLst/>
                         <a:defRPr/>
                       </a:pPr>
                       <a:r>
-                        <a:rPr lang="en-US" altLang="zh-CN" sz="1800" b="1" i="0" kern="1200" dirty="0" smtClean="0">
+                        <a:rPr lang="x-none" altLang="en-US" sz="1800" b="1" i="0" kern="1200" dirty="0" smtClean="0">
                           <a:solidFill>
                             <a:schemeClr val="dk1"/>
                           </a:solidFill>
@@ -3342,8 +3221,17 @@
                           <a:ea typeface="+mn-ea"/>
                           <a:cs typeface="+mn-cs"/>
                         </a:rPr>
-                        <a:t>A</a:t>
+                        <a:t>Hack computer is able to be controlled by the assembly language built this chapter.</a:t>
                       </a:r>
+                      <a:endParaRPr lang="x-none" altLang="en-US" sz="1800" b="1" i="0" kern="1200" dirty="0" smtClean="0">
+                        <a:solidFill>
+                          <a:schemeClr val="dk1"/>
+                        </a:solidFill>
+                        <a:effectLst/>
+                        <a:latin typeface="+mn-lt"/>
+                        <a:ea typeface="+mn-ea"/>
+                        <a:cs typeface="+mn-cs"/>
+                      </a:endParaRPr>
                     </a:p>
                     <a:p>
                       <a:pPr marL="342900" marR="0" lvl="0" indent="-342900" algn="l" defTabSz="914400" rtl="0" eaLnBrk="1" fontAlgn="auto" latinLnBrk="0" hangingPunct="1">
@@ -3360,11 +3248,10 @@
                         <a:buSzTx/>
                         <a:buFont typeface="+mj-lt"/>
                         <a:buAutoNum type="arabicPeriod"/>
-                        <a:tabLst/>
                         <a:defRPr/>
                       </a:pPr>
                       <a:r>
-                        <a:rPr lang="en-US" altLang="zh-CN" sz="1800" b="1" i="0" kern="1200" dirty="0" smtClean="0">
+                        <a:rPr lang="x-none" altLang="en-US" sz="1800" b="1" i="0" kern="1200" dirty="0" smtClean="0">
                           <a:solidFill>
                             <a:schemeClr val="dk1"/>
                           </a:solidFill>
@@ -3373,8 +3260,17 @@
                           <a:ea typeface="+mn-ea"/>
                           <a:cs typeface="+mn-cs"/>
                         </a:rPr>
-                        <a:t>B</a:t>
+                        <a:t>Provide the fundamental of more high-level software abstraction layers</a:t>
                       </a:r>
+                      <a:endParaRPr lang="en-US" altLang="zh-CN" sz="1800" b="1" i="0" kern="1200" dirty="0" smtClean="0">
+                        <a:solidFill>
+                          <a:schemeClr val="dk1"/>
+                        </a:solidFill>
+                        <a:effectLst/>
+                        <a:latin typeface="+mn-lt"/>
+                        <a:ea typeface="+mn-ea"/>
+                        <a:cs typeface="+mn-cs"/>
+                      </a:endParaRPr>
                     </a:p>
                     <a:p>
                       <a:pPr marL="342900" marR="0" lvl="0" indent="-342900" algn="l" defTabSz="914400" rtl="0" eaLnBrk="1" fontAlgn="auto" latinLnBrk="0" hangingPunct="1">
@@ -3391,38 +3287,6 @@
                         <a:buSzTx/>
                         <a:buFont typeface="+mj-lt"/>
                         <a:buAutoNum type="arabicPeriod"/>
-                        <a:tabLst/>
-                        <a:defRPr/>
-                      </a:pPr>
-                      <a:r>
-                        <a:rPr lang="en-US" altLang="zh-CN" sz="1800" b="1" i="0" kern="1200" dirty="0" smtClean="0">
-                          <a:solidFill>
-                            <a:schemeClr val="dk1"/>
-                          </a:solidFill>
-                          <a:effectLst/>
-                          <a:latin typeface="+mn-lt"/>
-                          <a:ea typeface="+mn-ea"/>
-                          <a:cs typeface="+mn-cs"/>
-                        </a:rPr>
-                        <a:t>C</a:t>
-                      </a:r>
-                    </a:p>
-                    <a:p>
-                      <a:pPr marL="342900" marR="0" lvl="0" indent="-342900" algn="l" defTabSz="914400" rtl="0" eaLnBrk="1" fontAlgn="auto" latinLnBrk="0" hangingPunct="1">
-                        <a:lnSpc>
-                          <a:spcPct val="100000"/>
-                        </a:lnSpc>
-                        <a:spcBef>
-                          <a:spcPts val="0"/>
-                        </a:spcBef>
-                        <a:spcAft>
-                          <a:spcPts val="0"/>
-                        </a:spcAft>
-                        <a:buClrTx/>
-                        <a:buSzTx/>
-                        <a:buFont typeface="+mj-lt"/>
-                        <a:buAutoNum type="arabicPeriod"/>
-                        <a:tabLst/>
                         <a:defRPr/>
                       </a:pPr>
                       <a:endParaRPr lang="zh-CN" altLang="en-US" dirty="0"/>
@@ -3449,7 +3313,6 @@
                         <a:buSzTx/>
                         <a:buFontTx/>
                         <a:buNone/>
-                        <a:tabLst/>
                         <a:defRPr/>
                       </a:pPr>
                       <a:r>
@@ -3464,6 +3327,15 @@
                         </a:rPr>
                         <a:t>Output</a:t>
                       </a:r>
+                      <a:endParaRPr lang="en-US" altLang="zh-CN" sz="1800" b="1" i="0" kern="1200" dirty="0" smtClean="0">
+                        <a:solidFill>
+                          <a:schemeClr val="dk1"/>
+                        </a:solidFill>
+                        <a:effectLst/>
+                        <a:latin typeface="+mn-lt"/>
+                        <a:ea typeface="+mn-ea"/>
+                        <a:cs typeface="+mn-cs"/>
+                      </a:endParaRPr>
                     </a:p>
                     <a:p>
                       <a:pPr marL="342900" marR="0" lvl="0" indent="-342900" algn="l" defTabSz="914400" rtl="0" eaLnBrk="1" fontAlgn="auto" latinLnBrk="0" hangingPunct="1">
@@ -3480,11 +3352,10 @@
                         <a:buSzTx/>
                         <a:buFont typeface="+mj-lt"/>
                         <a:buAutoNum type="arabicPeriod"/>
-                        <a:tabLst/>
                         <a:defRPr/>
                       </a:pPr>
                       <a:r>
-                        <a:rPr lang="en-US" altLang="zh-CN" sz="1800" b="1" i="0" kern="1200" dirty="0" smtClean="0">
+                        <a:rPr lang="x-none" altLang="zh-CN" sz="1800" b="1" i="0" kern="1200" dirty="0">
                           <a:solidFill>
                             <a:schemeClr val="dk1"/>
                           </a:solidFill>
@@ -3493,9 +3364,75 @@
                           <a:ea typeface="+mn-ea"/>
                           <a:cs typeface="+mn-cs"/>
                         </a:rPr>
-                        <a:t>Fi</a:t>
+                        <a:t>Runnable programs written in Hack Assembly</a:t>
                       </a:r>
-                      <a:endParaRPr lang="zh-CN" altLang="en-US" sz="1800" b="1" i="0" kern="1200" dirty="0">
+                      <a:endParaRPr lang="x-none" altLang="zh-CN" sz="1800" b="1" i="0" kern="1200" dirty="0">
+                        <a:solidFill>
+                          <a:schemeClr val="dk1"/>
+                        </a:solidFill>
+                        <a:effectLst/>
+                        <a:latin typeface="+mn-lt"/>
+                        <a:ea typeface="+mn-ea"/>
+                        <a:cs typeface="+mn-cs"/>
+                      </a:endParaRPr>
+                    </a:p>
+                    <a:p>
+                      <a:pPr marL="342900" marR="0" lvl="0" indent="-342900" algn="l" defTabSz="914400" rtl="0" eaLnBrk="1" fontAlgn="auto" latinLnBrk="0" hangingPunct="1">
+                        <a:lnSpc>
+                          <a:spcPct val="100000"/>
+                        </a:lnSpc>
+                        <a:spcBef>
+                          <a:spcPts val="0"/>
+                        </a:spcBef>
+                        <a:spcAft>
+                          <a:spcPts val="0"/>
+                        </a:spcAft>
+                        <a:buClrTx/>
+                        <a:buSzTx/>
+                        <a:buFont typeface="+mj-lt"/>
+                        <a:buAutoNum type="arabicPeriod"/>
+                        <a:defRPr/>
+                      </a:pPr>
+                      <a:r>
+                        <a:rPr lang="x-none" altLang="zh-CN" sz="1800" b="1" i="0" kern="1200" dirty="0">
+                          <a:solidFill>
+                            <a:schemeClr val="dk1"/>
+                          </a:solidFill>
+                          <a:effectLst/>
+                          <a:latin typeface="+mn-lt"/>
+                          <a:ea typeface="+mn-ea"/>
+                          <a:cs typeface="+mn-cs"/>
+                        </a:rPr>
+                        <a:t>Pass the testcases provided</a:t>
+                      </a:r>
+                      <a:endParaRPr lang="x-none" altLang="zh-CN" sz="1800" b="1" i="0" kern="1200" dirty="0">
+                        <a:solidFill>
+                          <a:schemeClr val="dk1"/>
+                        </a:solidFill>
+                        <a:effectLst/>
+                        <a:latin typeface="+mn-lt"/>
+                        <a:ea typeface="+mn-ea"/>
+                        <a:cs typeface="+mn-cs"/>
+                      </a:endParaRPr>
+                    </a:p>
+                    <a:p>
+                      <a:pPr marL="342900" marR="0" lvl="0" indent="-342900" algn="l" defTabSz="914400" rtl="0" eaLnBrk="1" fontAlgn="auto" latinLnBrk="0" hangingPunct="1">
+                        <a:lnSpc>
+                          <a:spcPct val="100000"/>
+                        </a:lnSpc>
+                        <a:spcBef>
+                          <a:spcPts val="0"/>
+                        </a:spcBef>
+                        <a:spcAft>
+                          <a:spcPts val="0"/>
+                        </a:spcAft>
+                        <a:buClrTx/>
+                        <a:buSzTx/>
+                        <a:buFont typeface="+mj-lt"/>
+                        <a:buAutoNum type="arabicPeriod"/>
+                        <a:defRPr/>
+                      </a:pPr>
+                      <a:endParaRPr lang="x-none" altLang="zh-CN" sz="1800" b="1" i="0" kern="1200" dirty="0">
                         <a:solidFill>
                           <a:schemeClr val="dk1"/>
                         </a:solidFill>
@@ -3527,7 +3464,6 @@
                         <a:buSzTx/>
                         <a:buFontTx/>
                         <a:buNone/>
-                        <a:tabLst/>
                         <a:defRPr/>
                       </a:pPr>
                       <a:r>
@@ -3542,6 +3478,15 @@
                         </a:rPr>
                         <a:t>Process</a:t>
                       </a:r>
+                      <a:endParaRPr lang="en-US" altLang="zh-CN" sz="1800" b="1" i="0" kern="1200" dirty="0" smtClean="0">
+                        <a:solidFill>
+                          <a:schemeClr val="dk1"/>
+                        </a:solidFill>
+                        <a:effectLst/>
+                        <a:latin typeface="+mn-lt"/>
+                        <a:ea typeface="+mn-ea"/>
+                        <a:cs typeface="+mn-cs"/>
+                      </a:endParaRPr>
                     </a:p>
                     <a:p>
                       <a:pPr marL="342900" indent="-342900">
@@ -3549,7 +3494,7 @@
                         <a:buAutoNum type="arabicPeriod"/>
                       </a:pPr>
                       <a:r>
-                        <a:rPr lang="en-US" altLang="zh-CN" sz="1800" b="1" i="0" kern="1200" dirty="0" smtClean="0">
+                        <a:rPr lang="x-none" altLang="en-US" sz="1800" b="1" i="0" kern="1200" dirty="0" smtClean="0">
                           <a:solidFill>
                             <a:schemeClr val="dk1"/>
                           </a:solidFill>
@@ -3558,9 +3503,63 @@
                           <a:ea typeface="+mn-ea"/>
                           <a:cs typeface="+mn-cs"/>
                         </a:rPr>
-                        <a:t>Fi</a:t>
+                        <a:t>Design a proper assembly for Hack platform</a:t>
                       </a:r>
-                      <a:endParaRPr lang="en-US" altLang="zh-CN" sz="1800" b="1" i="0" kern="1200" dirty="0" smtClean="0">
+                      <a:endParaRPr lang="x-none" altLang="en-US" sz="1800" b="1" i="0" kern="1200" dirty="0" smtClean="0">
+                        <a:solidFill>
+                          <a:schemeClr val="dk1"/>
+                        </a:solidFill>
+                        <a:effectLst/>
+                        <a:latin typeface="+mn-lt"/>
+                        <a:ea typeface="+mn-ea"/>
+                        <a:cs typeface="+mn-cs"/>
+                      </a:endParaRPr>
+                    </a:p>
+                    <a:p>
+                      <a:pPr marL="342900" indent="-342900">
+                        <a:buFont typeface="+mj-lt"/>
+                        <a:buAutoNum type="arabicPeriod"/>
+                      </a:pPr>
+                      <a:r>
+                        <a:rPr lang="x-none" altLang="en-US" sz="1800" b="1" i="0" kern="1200" dirty="0" smtClean="0">
+                          <a:solidFill>
+                            <a:schemeClr val="dk1"/>
+                          </a:solidFill>
+                          <a:effectLst/>
+                          <a:latin typeface="+mn-lt"/>
+                          <a:ea typeface="+mn-ea"/>
+                          <a:cs typeface="+mn-cs"/>
+                        </a:rPr>
+                        <a:t>translate manually instructions for the computer to assembly codes</a:t>
+                      </a:r>
+                      <a:endParaRPr lang="x-none" altLang="en-US" sz="1800" b="1" i="0" kern="1200" dirty="0" smtClean="0">
+                        <a:solidFill>
+                          <a:schemeClr val="dk1"/>
+                        </a:solidFill>
+                        <a:effectLst/>
+                        <a:latin typeface="+mn-lt"/>
+                        <a:ea typeface="+mn-ea"/>
+                        <a:cs typeface="+mn-cs"/>
+                      </a:endParaRPr>
+                    </a:p>
+                    <a:p>
+                      <a:pPr marL="342900" indent="-342900">
+                        <a:buFont typeface="+mj-lt"/>
+                        <a:buAutoNum type="arabicPeriod"/>
+                      </a:pPr>
+                      <a:r>
+                        <a:rPr lang="x-none" altLang="en-US" sz="1800" b="1" i="0" kern="1200" dirty="0" smtClean="0">
+                          <a:solidFill>
+                            <a:schemeClr val="dk1"/>
+                          </a:solidFill>
+                          <a:effectLst/>
+                          <a:latin typeface="+mn-lt"/>
+                          <a:ea typeface="+mn-ea"/>
+                          <a:cs typeface="+mn-cs"/>
+                        </a:rPr>
+                        <a:t>Implement algorithms and processes</a:t>
+                      </a:r>
+                      <a:endParaRPr lang="x-none" altLang="en-US" sz="1800" b="1" i="0" kern="1200" dirty="0" smtClean="0">
                         <a:solidFill>
                           <a:schemeClr val="dk1"/>
                         </a:solidFill>
@@ -3592,7 +3591,6 @@
                         <a:buSzTx/>
                         <a:buFontTx/>
                         <a:buNone/>
-                        <a:tabLst/>
                         <a:defRPr/>
                       </a:pPr>
                       <a:r>
@@ -3607,6 +3605,15 @@
                         </a:rPr>
                         <a:t>Input</a:t>
                       </a:r>
+                      <a:endParaRPr lang="en-US" altLang="zh-CN" sz="1800" b="1" i="0" kern="1200" dirty="0" smtClean="0">
+                        <a:solidFill>
+                          <a:schemeClr val="dk1"/>
+                        </a:solidFill>
+                        <a:effectLst/>
+                        <a:latin typeface="+mn-lt"/>
+                        <a:ea typeface="+mn-ea"/>
+                        <a:cs typeface="+mn-cs"/>
+                      </a:endParaRPr>
                     </a:p>
                     <a:p>
                       <a:pPr marL="342900" indent="-342900" algn="l" defTabSz="914400" rtl="0" eaLnBrk="1" latinLnBrk="0" hangingPunct="1">
@@ -3635,8 +3642,56 @@
                           <a:ea typeface="+mn-ea"/>
                           <a:cs typeface="+mn-cs"/>
                         </a:rPr>
-                        <a:t> files</a:t>
+                        <a:t> </a:t>
                       </a:r>
+                      <a:r>
+                        <a:rPr lang="x-none" altLang="en-US" sz="1800" b="1" i="0" kern="1200" baseline="0" dirty="0" smtClean="0">
+                          <a:solidFill>
+                            <a:schemeClr val="dk1"/>
+                          </a:solidFill>
+                          <a:effectLst/>
+                          <a:latin typeface="+mn-lt"/>
+                          <a:ea typeface="+mn-ea"/>
+                          <a:cs typeface="+mn-cs"/>
+                        </a:rPr>
+                        <a:t>reference and files</a:t>
+                      </a:r>
+                      <a:endParaRPr lang="x-none" altLang="en-US" sz="1800" b="1" i="0" kern="1200" baseline="0" dirty="0" smtClean="0">
+                        <a:solidFill>
+                          <a:schemeClr val="dk1"/>
+                        </a:solidFill>
+                        <a:effectLst/>
+                        <a:latin typeface="+mn-lt"/>
+                        <a:ea typeface="+mn-ea"/>
+                        <a:cs typeface="+mn-cs"/>
+                      </a:endParaRPr>
+                    </a:p>
+                    <a:p>
+                      <a:pPr marL="342900" indent="-342900" algn="l" defTabSz="914400" rtl="0" eaLnBrk="1" latinLnBrk="0" hangingPunct="1">
+                        <a:buFont typeface="+mj-lt"/>
+                        <a:buAutoNum type="arabicPeriod"/>
+                      </a:pPr>
+                      <a:r>
+                        <a:rPr lang="x-none" altLang="en-US" sz="1800" b="1" i="0" kern="1200" baseline="0" dirty="0" smtClean="0">
+                          <a:solidFill>
+                            <a:schemeClr val="dk1"/>
+                          </a:solidFill>
+                          <a:effectLst/>
+                          <a:latin typeface="+mn-lt"/>
+                          <a:ea typeface="+mn-ea"/>
+                          <a:cs typeface="+mn-cs"/>
+                        </a:rPr>
+                        <a:t>The input set of CPU and entire architecture of Hack computer</a:t>
+                      </a:r>
+                      <a:endParaRPr lang="x-none" altLang="en-US" sz="1800" b="1" i="0" kern="1200" baseline="0" dirty="0" smtClean="0">
+                        <a:solidFill>
+                          <a:schemeClr val="dk1"/>
+                        </a:solidFill>
+                        <a:effectLst/>
+                        <a:latin typeface="+mn-lt"/>
+                        <a:ea typeface="+mn-ea"/>
+                        <a:cs typeface="+mn-cs"/>
+                      </a:endParaRPr>
                     </a:p>
                     <a:p>
                       <a:pPr marL="342900" indent="-342900" algn="l" defTabSz="914400" rtl="0" eaLnBrk="1" latinLnBrk="0" hangingPunct="1">
@@ -3656,11 +3711,6 @@
                   </a:txBody>
                   <a:tcPr/>
                 </a:tc>
-                <a:extLst>
-                  <a:ext uri="{0D108BD9-81ED-4DB2-BD59-A6C34878D82A}">
-                    <a16:rowId xmlns:a16="http://schemas.microsoft.com/office/drawing/2014/main" val="10002"/>
-                  </a:ext>
-                </a:extLst>
               </a:tr>
               <a:tr h="370840">
                 <a:tc gridSpan="4">
@@ -3682,7 +3732,6 @@
                         <a:buSzTx/>
                         <a:buFontTx/>
                         <a:buNone/>
-                        <a:tabLst/>
                         <a:defRPr/>
                       </a:pPr>
                       <a:r>
@@ -3695,10 +3744,10 @@
                           <a:ea typeface="+mn-ea"/>
                           <a:cs typeface="+mn-cs"/>
                         </a:rPr>
-                        <a:t>Outside factors</a:t>
+                        <a:t>Outside factors:</a:t>
                       </a:r>
                       <a:r>
-                        <a:rPr lang="en-US" altLang="zh-CN" sz="1800" b="1" i="0" kern="1200" dirty="0" smtClean="0">
+                        <a:rPr lang="x-none" altLang="en-US" sz="1800" b="1" i="0" kern="1200" dirty="0" smtClean="0">
                           <a:solidFill>
                             <a:schemeClr val="dk1"/>
                           </a:solidFill>
@@ -3707,9 +3756,9 @@
                           <a:ea typeface="+mn-ea"/>
                           <a:cs typeface="+mn-cs"/>
                         </a:rPr>
-                        <a:t>:</a:t>
+                        <a:t>Hack assembly also provides user-friendly utilities,which are not necessary </a:t>
                       </a:r>
-                      <a:endParaRPr lang="en-US" altLang="zh-CN" sz="1800" b="1" i="0" kern="1200" dirty="0" smtClean="0">
+                      <a:endParaRPr lang="x-none" altLang="en-US" sz="1800" b="1" i="0" kern="1200" dirty="0" smtClean="0">
                         <a:solidFill>
                           <a:schemeClr val="dk1"/>
                         </a:solidFill>
@@ -3723,51 +3772,20 @@
                   <a:tcPr/>
                 </a:tc>
                 <a:tc hMerge="1">
-                  <a:txBody>
-                    <a:bodyPr/>
-                    <a:lstStyle/>
-                    <a:p>
-                      <a:endParaRPr lang="zh-CN" altLang="en-US" dirty="0"/>
-                    </a:p>
-                  </a:txBody>
                   <a:tcPr/>
                 </a:tc>
                 <a:tc hMerge="1">
-                  <a:txBody>
-                    <a:bodyPr/>
-                    <a:lstStyle/>
-                    <a:p>
-                      <a:endParaRPr lang="zh-CN" altLang="en-US" dirty="0"/>
-                    </a:p>
-                  </a:txBody>
                   <a:tcPr/>
                 </a:tc>
                 <a:tc hMerge="1">
-                  <a:txBody>
-                    <a:bodyPr/>
-                    <a:lstStyle/>
-                    <a:p>
-                      <a:endParaRPr lang="zh-CN" altLang="en-US" dirty="0"/>
-                    </a:p>
-                  </a:txBody>
                   <a:tcPr/>
                 </a:tc>
-                <a:extLst>
-                  <a:ext uri="{0D108BD9-81ED-4DB2-BD59-A6C34878D82A}">
-                    <a16:rowId xmlns:a16="http://schemas.microsoft.com/office/drawing/2014/main" val="10003"/>
-                  </a:ext>
-                </a:extLst>
               </a:tr>
             </a:tbl>
           </a:graphicData>
         </a:graphic>
       </p:graphicFrame>
     </p:spTree>
-    <p:extLst>
-      <p:ext uri="{BB962C8B-B14F-4D97-AF65-F5344CB8AC3E}">
-        <p14:creationId xmlns:p14="http://schemas.microsoft.com/office/powerpoint/2010/main" val="2503319357"/>
-      </p:ext>
-    </p:extLst>
   </p:cSld>
   <p:clrMapOvr>
     <a:masterClrMapping/>
@@ -3825,7 +3843,7 @@
     </a:clrScheme>
     <a:fontScheme name="Office">
       <a:majorFont>
-        <a:latin typeface="等线 Light" panose="020F0302020204030204"/>
+        <a:latin typeface="等线 Light"/>
         <a:ea typeface=""/>
         <a:cs typeface=""/>
         <a:font script="Jpan" typeface="游ゴシック Light"/>
@@ -3860,7 +3878,7 @@
         <a:font script="Geor" typeface="Sylfaen"/>
       </a:majorFont>
       <a:minorFont>
-        <a:latin typeface="等线" panose="020F0502020204030204"/>
+        <a:latin typeface="等线"/>
         <a:ea typeface=""/>
         <a:cs typeface=""/>
         <a:font script="Jpan" typeface="游ゴシック"/>
